--- a/情報数学I.pptx
+++ b/情報数学I.pptx
@@ -5,7 +5,7 @@
     <p:sldMasterId id="2147483660" r:id="rId1"/>
   </p:sldMasterIdLst>
   <p:notesMasterIdLst>
-    <p:notesMasterId r:id="rId13"/>
+    <p:notesMasterId r:id="rId11"/>
   </p:notesMasterIdLst>
   <p:sldIdLst>
     <p:sldId id="256" r:id="rId2"/>
@@ -17,8 +17,6 @@
     <p:sldId id="266" r:id="rId8"/>
     <p:sldId id="257" r:id="rId9"/>
     <p:sldId id="258" r:id="rId10"/>
-    <p:sldId id="259" r:id="rId11"/>
-    <p:sldId id="261" r:id="rId12"/>
   </p:sldIdLst>
   <p:sldSz cx="9144000" cy="6858000" type="screen4x3"/>
   <p:notesSz cx="6858000" cy="9144000"/>
@@ -207,7 +205,7 @@
           <a:p>
             <a:fld id="{609707AB-2074-B346-9334-024B4C6AF320}" type="datetimeFigureOut">
               <a:rPr kumimoji="1" lang="ja-JP" altLang="en-US" smtClean="0"/>
-              <a:t>2021/8/11</a:t>
+              <a:t>2021/8/23</a:t>
             </a:fld>
             <a:endParaRPr kumimoji="1" lang="ja-JP" altLang="en-US"/>
           </a:p>
@@ -976,7 +974,7 @@
           <a:p>
             <a:fld id="{76C04A8B-BC11-2347-A95C-7855F328F2B9}" type="datetimeFigureOut">
               <a:rPr kumimoji="1" lang="ja-JP" altLang="en-US" smtClean="0"/>
-              <a:t>2021/8/11</a:t>
+              <a:t>2021/8/23</a:t>
             </a:fld>
             <a:endParaRPr kumimoji="1" lang="ja-JP" altLang="en-US"/>
           </a:p>
@@ -1099,7 +1097,7 @@
           <a:p>
             <a:fld id="{76C04A8B-BC11-2347-A95C-7855F328F2B9}" type="datetimeFigureOut">
               <a:rPr kumimoji="1" lang="ja-JP" altLang="en-US" smtClean="0"/>
-              <a:t>2021/8/11</a:t>
+              <a:t>2021/8/23</a:t>
             </a:fld>
             <a:endParaRPr kumimoji="1" lang="ja-JP" altLang="en-US"/>
           </a:p>
@@ -1217,7 +1215,7 @@
           <a:p>
             <a:fld id="{76C04A8B-BC11-2347-A95C-7855F328F2B9}" type="datetimeFigureOut">
               <a:rPr kumimoji="1" lang="ja-JP" altLang="en-US" smtClean="0"/>
-              <a:t>2021/8/11</a:t>
+              <a:t>2021/8/23</a:t>
             </a:fld>
             <a:endParaRPr kumimoji="1" lang="ja-JP" altLang="en-US"/>
           </a:p>
@@ -1404,7 +1402,7 @@
           <a:p>
             <a:fld id="{76C04A8B-BC11-2347-A95C-7855F328F2B9}" type="datetimeFigureOut">
               <a:rPr kumimoji="1" lang="ja-JP" altLang="en-US" smtClean="0"/>
-              <a:t>2021/8/11</a:t>
+              <a:t>2021/8/23</a:t>
             </a:fld>
             <a:endParaRPr kumimoji="1" lang="ja-JP" altLang="en-US"/>
           </a:p>
@@ -1649,7 +1647,7 @@
           <a:p>
             <a:fld id="{76C04A8B-BC11-2347-A95C-7855F328F2B9}" type="datetimeFigureOut">
               <a:rPr kumimoji="1" lang="ja-JP" altLang="en-US" smtClean="0"/>
-              <a:t>2021/8/11</a:t>
+              <a:t>2021/8/23</a:t>
             </a:fld>
             <a:endParaRPr kumimoji="1" lang="ja-JP" altLang="en-US"/>
           </a:p>
@@ -2113,223 +2111,6 @@
 </p:sld>
 </file>
 
-<file path=ppt/slides/slide10.xml><?xml version="1.0" encoding="utf-8"?>
-<p:sld xmlns:a="http://schemas.openxmlformats.org/drawingml/2006/main" xmlns:r="http://schemas.openxmlformats.org/officeDocument/2006/relationships" xmlns:p="http://schemas.openxmlformats.org/presentationml/2006/main">
-  <p:cSld>
-    <p:spTree>
-      <p:nvGrpSpPr>
-        <p:cNvPr id="1" name=""/>
-        <p:cNvGrpSpPr/>
-        <p:nvPr/>
-      </p:nvGrpSpPr>
-      <p:grpSpPr>
-        <a:xfrm>
-          <a:off x="0" y="0"/>
-          <a:ext cx="0" cy="0"/>
-          <a:chOff x="0" y="0"/>
-          <a:chExt cx="0" cy="0"/>
-        </a:xfrm>
-      </p:grpSpPr>
-      <p:sp>
-        <p:nvSpPr>
-          <p:cNvPr id="2" name="タイトル 1">
-            <a:extLst>
-              <a:ext uri="{FF2B5EF4-FFF2-40B4-BE49-F238E27FC236}">
-                <a16:creationId xmlns:a16="http://schemas.microsoft.com/office/drawing/2014/main" id="{2C0C37DF-DF7A-3F43-8A0D-1A62805B14DD}"/>
-              </a:ext>
-            </a:extLst>
-          </p:cNvPr>
-          <p:cNvSpPr>
-            <a:spLocks noGrp="1"/>
-          </p:cNvSpPr>
-          <p:nvPr>
-            <p:ph type="title"/>
-          </p:nvPr>
-        </p:nvSpPr>
-        <p:spPr/>
-        <p:txBody>
-          <a:bodyPr>
-            <a:normAutofit fontScale="90000"/>
-          </a:bodyPr>
-          <a:lstStyle/>
-          <a:p>
-            <a:r>
-              <a:rPr lang="ja-JP" altLang="en-US"/>
-              <a:t>必須問題</a:t>
-            </a:r>
-            <a:endParaRPr kumimoji="1" lang="ja-JP" altLang="en-US"/>
-          </a:p>
-        </p:txBody>
-      </p:sp>
-    </p:spTree>
-    <p:extLst>
-      <p:ext uri="{BB962C8B-B14F-4D97-AF65-F5344CB8AC3E}">
-        <p14:creationId xmlns:p14="http://schemas.microsoft.com/office/powerpoint/2010/main" val="3940381877"/>
-      </p:ext>
-    </p:extLst>
-  </p:cSld>
-  <p:clrMapOvr>
-    <a:masterClrMapping/>
-  </p:clrMapOvr>
-</p:sld>
-</file>
-
-<file path=ppt/slides/slide11.xml><?xml version="1.0" encoding="utf-8"?>
-<p:sld xmlns:a="http://schemas.openxmlformats.org/drawingml/2006/main" xmlns:r="http://schemas.openxmlformats.org/officeDocument/2006/relationships" xmlns:p="http://schemas.openxmlformats.org/presentationml/2006/main">
-  <p:cSld>
-    <p:spTree>
-      <p:nvGrpSpPr>
-        <p:cNvPr id="1" name=""/>
-        <p:cNvGrpSpPr/>
-        <p:nvPr/>
-      </p:nvGrpSpPr>
-      <p:grpSpPr>
-        <a:xfrm>
-          <a:off x="0" y="0"/>
-          <a:ext cx="0" cy="0"/>
-          <a:chOff x="0" y="0"/>
-          <a:chExt cx="0" cy="0"/>
-        </a:xfrm>
-      </p:grpSpPr>
-      <p:sp>
-        <p:nvSpPr>
-          <p:cNvPr id="2" name="タイトル 1">
-            <a:extLst>
-              <a:ext uri="{FF2B5EF4-FFF2-40B4-BE49-F238E27FC236}">
-                <a16:creationId xmlns:a16="http://schemas.microsoft.com/office/drawing/2014/main" id="{2F43C985-6B89-774C-A5E0-176FFC816531}"/>
-              </a:ext>
-            </a:extLst>
-          </p:cNvPr>
-          <p:cNvSpPr>
-            <a:spLocks noGrp="1"/>
-          </p:cNvSpPr>
-          <p:nvPr>
-            <p:ph type="title"/>
-          </p:nvPr>
-        </p:nvSpPr>
-        <p:spPr/>
-        <p:txBody>
-          <a:bodyPr>
-            <a:noAutofit/>
-          </a:bodyPr>
-          <a:lstStyle/>
-          <a:p>
-            <a:r>
-              <a:rPr lang="ja-JP" altLang="en-US" sz="3600"/>
-              <a:t>リストと配列と</a:t>
-            </a:r>
-            <a:r>
-              <a:rPr lang="en-US" altLang="ja-JP" sz="3600" dirty="0" err="1"/>
-              <a:t>numpy.ndarray</a:t>
-            </a:r>
-            <a:r>
-              <a:rPr lang="ja-JP" altLang="en-US" sz="3600"/>
-              <a:t>の違い</a:t>
-            </a:r>
-            <a:endParaRPr kumimoji="1" lang="ja-JP" altLang="en-US" sz="3600"/>
-          </a:p>
-        </p:txBody>
-      </p:sp>
-      <p:sp>
-        <p:nvSpPr>
-          <p:cNvPr id="3" name="テキスト ボックス 2">
-            <a:extLst>
-              <a:ext uri="{FF2B5EF4-FFF2-40B4-BE49-F238E27FC236}">
-                <a16:creationId xmlns:a16="http://schemas.microsoft.com/office/drawing/2014/main" id="{873F21CC-1FFC-614C-8CCE-33EF5320CA1C}"/>
-              </a:ext>
-            </a:extLst>
-          </p:cNvPr>
-          <p:cNvSpPr txBox="1"/>
-          <p:nvPr/>
-        </p:nvSpPr>
-        <p:spPr>
-          <a:xfrm>
-            <a:off x="457200" y="1138416"/>
-            <a:ext cx="7886700" cy="1384995"/>
-          </a:xfrm>
-          <a:prstGeom prst="rect">
-            <a:avLst/>
-          </a:prstGeom>
-          <a:noFill/>
-        </p:spPr>
-        <p:txBody>
-          <a:bodyPr wrap="square" rtlCol="0">
-            <a:spAutoFit/>
-          </a:bodyPr>
-          <a:lstStyle/>
-          <a:p>
-            <a:r>
-              <a:rPr lang="en-US" altLang="ja-JP" sz="2400" dirty="0"/>
-              <a:t> Python</a:t>
-            </a:r>
-            <a:r>
-              <a:rPr lang="ja-JP" altLang="en-US" sz="2400"/>
-              <a:t>における複数のデータを扱うためのデータ構造</a:t>
-            </a:r>
-            <a:endParaRPr lang="en-US" altLang="ja-JP" sz="2400" dirty="0"/>
-          </a:p>
-          <a:p>
-            <a:pPr marL="342900" indent="-342900">
-              <a:buFont typeface="Arial" panose="020B0604020202020204" pitchFamily="34" charset="0"/>
-              <a:buChar char="•"/>
-            </a:pPr>
-            <a:r>
-              <a:rPr lang="ja-JP" altLang="en-US" sz="2000"/>
-              <a:t>リスト </a:t>
-            </a:r>
-            <a:r>
-              <a:rPr lang="en-US" altLang="ja-JP" sz="2000" dirty="0"/>
-              <a:t>- list</a:t>
-            </a:r>
-          </a:p>
-          <a:p>
-            <a:pPr marL="342900" indent="-342900">
-              <a:buFont typeface="Arial" panose="020B0604020202020204" pitchFamily="34" charset="0"/>
-              <a:buChar char="•"/>
-            </a:pPr>
-            <a:r>
-              <a:rPr lang="ja-JP" altLang="en-US" sz="2000"/>
-              <a:t>配列 </a:t>
-            </a:r>
-            <a:r>
-              <a:rPr lang="en-US" altLang="ja-JP" sz="2000" dirty="0"/>
-              <a:t>- array</a:t>
-            </a:r>
-          </a:p>
-          <a:p>
-            <a:pPr marL="342900" indent="-342900">
-              <a:buFont typeface="Arial" panose="020B0604020202020204" pitchFamily="34" charset="0"/>
-              <a:buChar char="•"/>
-            </a:pPr>
-            <a:r>
-              <a:rPr lang="ja-JP" altLang="en-US" sz="2000"/>
-              <a:t>多次元配列 </a:t>
-            </a:r>
-            <a:r>
-              <a:rPr lang="en-US" altLang="ja-JP" sz="2000" dirty="0"/>
-              <a:t>- </a:t>
-            </a:r>
-            <a:r>
-              <a:rPr lang="en-US" altLang="ja-JP" sz="2000" dirty="0" err="1"/>
-              <a:t>numpy.ndarray</a:t>
-            </a:r>
-            <a:endParaRPr lang="en-US" altLang="ja-JP" sz="2000" dirty="0"/>
-          </a:p>
-        </p:txBody>
-      </p:sp>
-    </p:spTree>
-    <p:extLst>
-      <p:ext uri="{BB962C8B-B14F-4D97-AF65-F5344CB8AC3E}">
-        <p14:creationId xmlns:p14="http://schemas.microsoft.com/office/powerpoint/2010/main" val="1087358020"/>
-      </p:ext>
-    </p:extLst>
-  </p:cSld>
-  <p:clrMapOvr>
-    <a:masterClrMapping/>
-  </p:clrMapOvr>
-</p:sld>
-</file>
-
 <file path=ppt/slides/slide2.xml><?xml version="1.0" encoding="utf-8"?>
 <p:sld xmlns:a="http://schemas.openxmlformats.org/drawingml/2006/main" xmlns:r="http://schemas.openxmlformats.org/officeDocument/2006/relationships" xmlns:p="http://schemas.openxmlformats.org/presentationml/2006/main">
   <p:cSld>
@@ -3109,10 +2890,22 @@
               <a:buAutoNum type="arabicPeriod"/>
             </a:pPr>
             <a:r>
-              <a:rPr kumimoji="1" lang="ja-JP" altLang="en-US" sz="2200"/>
+              <a:rPr kumimoji="1" lang="ja-JP" altLang="en-US" sz="2200">
+                <a:solidFill>
+                  <a:schemeClr val="bg1">
+                    <a:lumMod val="65000"/>
+                  </a:schemeClr>
+                </a:solidFill>
+              </a:rPr>
               <a:t>正則の定義</a:t>
             </a:r>
-            <a:endParaRPr kumimoji="1" lang="en-US" altLang="ja-JP" sz="2200" dirty="0"/>
+            <a:endParaRPr kumimoji="1" lang="en-US" altLang="ja-JP" sz="2200" dirty="0">
+              <a:solidFill>
+                <a:schemeClr val="bg1">
+                  <a:lumMod val="65000"/>
+                </a:schemeClr>
+              </a:solidFill>
+            </a:endParaRPr>
           </a:p>
           <a:p>
             <a:pPr marL="457200" indent="-457200">
@@ -3349,8 +3142,8 @@
         </p:nvSpPr>
         <p:spPr>
           <a:xfrm>
-            <a:off x="244931" y="0"/>
-            <a:ext cx="6923312" cy="7571303"/>
+            <a:off x="244930" y="0"/>
+            <a:ext cx="8076109" cy="8248412"/>
           </a:xfrm>
           <a:prstGeom prst="rect">
             <a:avLst/>
@@ -3363,6 +3156,38 @@
           </a:bodyPr>
           <a:lstStyle/>
           <a:p>
+            <a:pPr marL="457200" indent="-457200">
+              <a:buFont typeface="+mj-lt"/>
+              <a:buAutoNum type="arabicPeriod"/>
+            </a:pPr>
+            <a:r>
+              <a:rPr kumimoji="1" lang="ja-JP" altLang="en-US" sz="2200"/>
+              <a:t>準備</a:t>
+            </a:r>
+            <a:endParaRPr kumimoji="1" lang="en-US" altLang="ja-JP" sz="2200" dirty="0"/>
+          </a:p>
+          <a:p>
+            <a:pPr marL="914400" lvl="1" indent="-457200">
+              <a:buFont typeface="+mj-lt"/>
+              <a:buAutoNum type="arabicPeriod"/>
+            </a:pPr>
+            <a:r>
+              <a:rPr kumimoji="1" lang="en-US" altLang="ja-JP" sz="2200" dirty="0"/>
+              <a:t>Python</a:t>
+            </a:r>
+          </a:p>
+          <a:p>
+            <a:pPr marL="914400" lvl="1" indent="-457200">
+              <a:buFont typeface="+mj-lt"/>
+              <a:buAutoNum type="arabicPeriod"/>
+            </a:pPr>
+            <a:r>
+              <a:rPr kumimoji="1" lang="ja-JP" altLang="en-US" sz="2200"/>
+              <a:t>ベクトル</a:t>
+            </a:r>
+            <a:endParaRPr kumimoji="1" lang="en-US" altLang="ja-JP" sz="2200" dirty="0"/>
+          </a:p>
+          <a:p>
             <a:pPr marL="457200" indent="-457200" algn="l">
               <a:buFont typeface="+mj-lt"/>
               <a:buAutoNum type="arabicPeriod"/>
@@ -3454,22 +3279,15 @@
             </a:pPr>
             <a:r>
               <a:rPr kumimoji="1" lang="ja-JP" altLang="en-US" sz="2200"/>
-              <a:t>正則の定義</a:t>
-            </a:r>
-            <a:endParaRPr kumimoji="1" lang="en-US" altLang="ja-JP" sz="2200" dirty="0"/>
-          </a:p>
-          <a:p>
-            <a:pPr marL="457200" indent="-457200">
-              <a:buFont typeface="+mj-lt"/>
-              <a:buAutoNum type="arabicPeriod"/>
-            </a:pPr>
-            <a:r>
-              <a:rPr kumimoji="1" lang="ja-JP" altLang="en-US" sz="2200"/>
               <a:t>行列の</a:t>
             </a:r>
             <a:r>
               <a:rPr kumimoji="1" lang="en-US" altLang="ja-JP" sz="2200" dirty="0" err="1"/>
-              <a:t>i,j</a:t>
+              <a:t>i</a:t>
+            </a:r>
+            <a:r>
+              <a:rPr kumimoji="1" lang="en-US" altLang="ja-JP" sz="2200" dirty="0"/>
+              <a:t>, j</a:t>
             </a:r>
             <a:r>
               <a:rPr kumimoji="1" lang="ja-JP" altLang="en-US" sz="2200"/>
